--- a/Chapter_3/figures/traj_new/1e-05_0_1/1e0501new.pptx
+++ b/Chapter_3/figures/traj_new/1e-05_0_1/1e0501new.pptx
@@ -104,6 +104,11 @@
       </a:defRPr>
     </a:lvl9pPr>
   </p:defaultTextStyle>
+  <p:extLst>
+    <p:ext uri="{EFAFB233-063F-42B5-8137-9DF3F51BA10A}">
+      <p15:sldGuideLst xmlns:p15="http://schemas.microsoft.com/office/powerpoint/2012/main"/>
+    </p:ext>
+  </p:extLst>
 </p:presentation>
 </file>
 
@@ -238,7 +243,7 @@
           <a:p>
             <a:fld id="{1C0919E1-D14B-5742-A0E3-494DF3A485BC}" type="datetimeFigureOut">
               <a:rPr lang="en-US" smtClean="0"/>
-              <a:t>4/2/24</a:t>
+              <a:t>4/5/24</a:t>
             </a:fld>
             <a:endParaRPr lang="en-US"/>
           </a:p>
@@ -408,7 +413,7 @@
           <a:p>
             <a:fld id="{1C0919E1-D14B-5742-A0E3-494DF3A485BC}" type="datetimeFigureOut">
               <a:rPr lang="en-US" smtClean="0"/>
-              <a:t>4/2/24</a:t>
+              <a:t>4/5/24</a:t>
             </a:fld>
             <a:endParaRPr lang="en-US"/>
           </a:p>
@@ -588,7 +593,7 @@
           <a:p>
             <a:fld id="{1C0919E1-D14B-5742-A0E3-494DF3A485BC}" type="datetimeFigureOut">
               <a:rPr lang="en-US" smtClean="0"/>
-              <a:t>4/2/24</a:t>
+              <a:t>4/5/24</a:t>
             </a:fld>
             <a:endParaRPr lang="en-US"/>
           </a:p>
@@ -758,7 +763,7 @@
           <a:p>
             <a:fld id="{1C0919E1-D14B-5742-A0E3-494DF3A485BC}" type="datetimeFigureOut">
               <a:rPr lang="en-US" smtClean="0"/>
-              <a:t>4/2/24</a:t>
+              <a:t>4/5/24</a:t>
             </a:fld>
             <a:endParaRPr lang="en-US"/>
           </a:p>
@@ -1004,7 +1009,7 @@
           <a:p>
             <a:fld id="{1C0919E1-D14B-5742-A0E3-494DF3A485BC}" type="datetimeFigureOut">
               <a:rPr lang="en-US" smtClean="0"/>
-              <a:t>4/2/24</a:t>
+              <a:t>4/5/24</a:t>
             </a:fld>
             <a:endParaRPr lang="en-US"/>
           </a:p>
@@ -1236,7 +1241,7 @@
           <a:p>
             <a:fld id="{1C0919E1-D14B-5742-A0E3-494DF3A485BC}" type="datetimeFigureOut">
               <a:rPr lang="en-US" smtClean="0"/>
-              <a:t>4/2/24</a:t>
+              <a:t>4/5/24</a:t>
             </a:fld>
             <a:endParaRPr lang="en-US"/>
           </a:p>
@@ -1603,7 +1608,7 @@
           <a:p>
             <a:fld id="{1C0919E1-D14B-5742-A0E3-494DF3A485BC}" type="datetimeFigureOut">
               <a:rPr lang="en-US" smtClean="0"/>
-              <a:t>4/2/24</a:t>
+              <a:t>4/5/24</a:t>
             </a:fld>
             <a:endParaRPr lang="en-US"/>
           </a:p>
@@ -1721,7 +1726,7 @@
           <a:p>
             <a:fld id="{1C0919E1-D14B-5742-A0E3-494DF3A485BC}" type="datetimeFigureOut">
               <a:rPr lang="en-US" smtClean="0"/>
-              <a:t>4/2/24</a:t>
+              <a:t>4/5/24</a:t>
             </a:fld>
             <a:endParaRPr lang="en-US"/>
           </a:p>
@@ -1816,7 +1821,7 @@
           <a:p>
             <a:fld id="{1C0919E1-D14B-5742-A0E3-494DF3A485BC}" type="datetimeFigureOut">
               <a:rPr lang="en-US" smtClean="0"/>
-              <a:t>4/2/24</a:t>
+              <a:t>4/5/24</a:t>
             </a:fld>
             <a:endParaRPr lang="en-US"/>
           </a:p>
@@ -2093,7 +2098,7 @@
           <a:p>
             <a:fld id="{1C0919E1-D14B-5742-A0E3-494DF3A485BC}" type="datetimeFigureOut">
               <a:rPr lang="en-US" smtClean="0"/>
-              <a:t>4/2/24</a:t>
+              <a:t>4/5/24</a:t>
             </a:fld>
             <a:endParaRPr lang="en-US"/>
           </a:p>
@@ -2350,7 +2355,7 @@
           <a:p>
             <a:fld id="{1C0919E1-D14B-5742-A0E3-494DF3A485BC}" type="datetimeFigureOut">
               <a:rPr lang="en-US" smtClean="0"/>
-              <a:t>4/2/24</a:t>
+              <a:t>4/5/24</a:t>
             </a:fld>
             <a:endParaRPr lang="en-US"/>
           </a:p>
@@ -2563,7 +2568,7 @@
           <a:p>
             <a:fld id="{1C0919E1-D14B-5742-A0E3-494DF3A485BC}" type="datetimeFigureOut">
               <a:rPr lang="en-US" smtClean="0"/>
-              <a:t>4/2/24</a:t>
+              <a:t>4/5/24</a:t>
             </a:fld>
             <a:endParaRPr lang="en-US"/>
           </a:p>
@@ -2970,7 +2975,7 @@
       </p:grpSpPr>
       <p:pic>
         <p:nvPicPr>
-          <p:cNvPr id="5" name="Picture 4" descr="A graph of a graph&#10;&#10;Description automatically generated with medium confidence">
+          <p:cNvPr id="5" name="Picture 4">
             <a:extLst>
               <a:ext uri="{FF2B5EF4-FFF2-40B4-BE49-F238E27FC236}">
                 <a16:creationId xmlns:a16="http://schemas.microsoft.com/office/drawing/2014/main" id="{9326B6EC-012A-73B6-3726-E81AFC6BE13B}"/>
@@ -2984,14 +2989,13 @@
         </p:nvPicPr>
         <p:blipFill>
           <a:blip r:embed="rId2"/>
-          <a:stretch>
-            <a:fillRect/>
-          </a:stretch>
+          <a:srcRect/>
+          <a:stretch/>
         </p:blipFill>
         <p:spPr>
           <a:xfrm>
-            <a:off x="-269489" y="4701363"/>
-            <a:ext cx="3908503" cy="2345102"/>
+            <a:off x="-207946" y="4746212"/>
+            <a:ext cx="3908503" cy="2345101"/>
           </a:xfrm>
           <a:prstGeom prst="rect">
             <a:avLst/>
@@ -3000,7 +3004,7 @@
       </p:pic>
       <p:pic>
         <p:nvPicPr>
-          <p:cNvPr id="7" name="Picture 6" descr="A graph of a horse&#10;&#10;Description automatically generated">
+          <p:cNvPr id="7" name="Picture 6">
             <a:extLst>
               <a:ext uri="{FF2B5EF4-FFF2-40B4-BE49-F238E27FC236}">
                 <a16:creationId xmlns:a16="http://schemas.microsoft.com/office/drawing/2014/main" id="{F71E972A-13CA-35FE-CFBB-C2978235E240}"/>
@@ -3014,14 +3018,13 @@
         </p:nvPicPr>
         <p:blipFill>
           <a:blip r:embed="rId3"/>
-          <a:stretch>
-            <a:fillRect/>
-          </a:stretch>
+          <a:srcRect/>
+          <a:stretch/>
         </p:blipFill>
         <p:spPr>
           <a:xfrm>
             <a:off x="3317487" y="4747317"/>
-            <a:ext cx="3908502" cy="2345101"/>
+            <a:ext cx="3908501" cy="2345101"/>
           </a:xfrm>
           <a:prstGeom prst="rect">
             <a:avLst/>
@@ -3030,7 +3033,7 @@
       </p:pic>
       <p:pic>
         <p:nvPicPr>
-          <p:cNvPr id="11" name="Picture 10" descr="A graph of a graph showing the number of different states&#10;&#10;Description automatically generated with medium confidence">
+          <p:cNvPr id="11" name="Picture 10">
             <a:extLst>
               <a:ext uri="{FF2B5EF4-FFF2-40B4-BE49-F238E27FC236}">
                 <a16:creationId xmlns:a16="http://schemas.microsoft.com/office/drawing/2014/main" id="{0127FFD4-55F5-8528-C1BC-B4F2A401D4FC}"/>
@@ -3044,14 +3047,13 @@
         </p:nvPicPr>
         <p:blipFill>
           <a:blip r:embed="rId4"/>
-          <a:stretch>
-            <a:fillRect/>
-          </a:stretch>
+          <a:srcRect/>
+          <a:stretch/>
         </p:blipFill>
         <p:spPr>
           <a:xfrm>
-            <a:off x="-269489" y="2402213"/>
-            <a:ext cx="3908503" cy="2345102"/>
+            <a:off x="-207946" y="2403316"/>
+            <a:ext cx="3908503" cy="2345101"/>
           </a:xfrm>
           <a:prstGeom prst="rect">
             <a:avLst/>
@@ -3060,7 +3062,7 @@
       </p:pic>
       <p:pic>
         <p:nvPicPr>
-          <p:cNvPr id="15" name="Picture 14" descr="A graph with lines and dots&#10;&#10;Description automatically generated">
+          <p:cNvPr id="15" name="Picture 14">
             <a:extLst>
               <a:ext uri="{FF2B5EF4-FFF2-40B4-BE49-F238E27FC236}">
                 <a16:creationId xmlns:a16="http://schemas.microsoft.com/office/drawing/2014/main" id="{13721F25-AB5C-7866-46FF-668D3AA447C3}"/>
@@ -3074,13 +3076,12 @@
         </p:nvPicPr>
         <p:blipFill>
           <a:blip r:embed="rId5"/>
-          <a:stretch>
-            <a:fillRect/>
-          </a:stretch>
+          <a:srcRect/>
+          <a:stretch/>
         </p:blipFill>
         <p:spPr>
           <a:xfrm>
-            <a:off x="-269489" y="57112"/>
+            <a:off x="-207943" y="57108"/>
             <a:ext cx="3908505" cy="2345103"/>
           </a:xfrm>
           <a:prstGeom prst="rect">
@@ -3090,7 +3091,7 @@
       </p:pic>
       <p:pic>
         <p:nvPicPr>
-          <p:cNvPr id="13" name="Picture 12" descr="A graph showing a line graph&#10;&#10;Description automatically generated with medium confidence">
+          <p:cNvPr id="13" name="Picture 12">
             <a:extLst>
               <a:ext uri="{FF2B5EF4-FFF2-40B4-BE49-F238E27FC236}">
                 <a16:creationId xmlns:a16="http://schemas.microsoft.com/office/drawing/2014/main" id="{922A1FAA-5880-25CB-376B-AE9A4F8A8215}"/>
@@ -3104,14 +3105,13 @@
         </p:nvPicPr>
         <p:blipFill>
           <a:blip r:embed="rId6"/>
-          <a:stretch>
-            <a:fillRect/>
-          </a:stretch>
+          <a:srcRect/>
+          <a:stretch/>
         </p:blipFill>
         <p:spPr>
           <a:xfrm>
             <a:off x="3317488" y="57111"/>
-            <a:ext cx="3908503" cy="2345102"/>
+            <a:ext cx="3908503" cy="2345101"/>
           </a:xfrm>
           <a:prstGeom prst="rect">
             <a:avLst/>
@@ -3120,7 +3120,7 @@
       </p:pic>
       <p:pic>
         <p:nvPicPr>
-          <p:cNvPr id="9" name="Picture 8" descr="A graph showing different colored lines&#10;&#10;Description automatically generated">
+          <p:cNvPr id="9" name="Picture 8">
             <a:extLst>
               <a:ext uri="{FF2B5EF4-FFF2-40B4-BE49-F238E27FC236}">
                 <a16:creationId xmlns:a16="http://schemas.microsoft.com/office/drawing/2014/main" id="{F7E471D8-87E6-CA9F-6E15-09FC52172F77}"/>
@@ -3134,14 +3134,13 @@
         </p:nvPicPr>
         <p:blipFill>
           <a:blip r:embed="rId7"/>
-          <a:stretch>
-            <a:fillRect/>
-          </a:stretch>
+          <a:srcRect/>
+          <a:stretch/>
         </p:blipFill>
         <p:spPr>
           <a:xfrm>
             <a:off x="3317488" y="2402213"/>
-            <a:ext cx="3908503" cy="2345102"/>
+            <a:ext cx="3908503" cy="2345101"/>
           </a:xfrm>
           <a:prstGeom prst="rect">
             <a:avLst/>
